--- a/lecture-slides/2019-10-02-oop.pptx
+++ b/lecture-slides/2019-10-02-oop.pptx
@@ -4378,7 +4378,7 @@
             </a:pPr>
             <a:r>
               <a:rPr lang="en-US" sz="2000" dirty="0"/>
-              <a:t>Lab: More FaceDraw, FaceDraw, FaceDraw</a:t>
+              <a:t>Lab</a:t>
             </a:r>
           </a:p>
           <a:p>
@@ -4908,7 +4908,7 @@
           <a:graphicData uri="http://schemas.openxmlformats.org/presentationml/2006/ole">
             <mc:AlternateContent xmlns:mc="http://schemas.openxmlformats.org/markup-compatibility/2006">
               <mc:Choice xmlns:v="urn:schemas-microsoft-com:vml" Requires="v">
-                <p:oleObj spid="_x0000_s1025" name="Worksheet" r:id="rId3" imgW="7289800" imgH="7023100" progId="Excel.Sheet.12">
+                <p:oleObj spid="_x0000_s1026" name="Worksheet" r:id="rId3" imgW="7289800" imgH="7023100" progId="Excel.Sheet.12">
                   <p:embed/>
                 </p:oleObj>
               </mc:Choice>
@@ -5291,7 +5291,7 @@
             </a:pPr>
             <a:r>
               <a:rPr lang="en-US" sz="2000" dirty="0"/>
-              <a:t>FaceDraw, FaceDraw, FaceDraw</a:t>
+              <a:t>More FaceDraw, FaceDraw, FaceDraw</a:t>
             </a:r>
           </a:p>
           <a:p>

--- a/lecture-slides/2019-10-02-oop.pptx
+++ b/lecture-slides/2019-10-02-oop.pptx
@@ -205,7 +205,7 @@
           <a:p>
             <a:fld id="{A677DEB0-5AA4-49C7-B0AD-AD047A002C4C}" type="datetimeFigureOut">
               <a:rPr lang="en-US" smtClean="0"/>
-              <a:t>10/1/19</a:t>
+              <a:t>10/2/2019</a:t>
             </a:fld>
             <a:endParaRPr lang="en-US"/>
           </a:p>
@@ -1143,7 +1143,7 @@
           <a:p>
             <a:fld id="{1B52E0E1-344B-4E26-B5AD-CE86AB802485}" type="datetimeFigureOut">
               <a:rPr lang="en-US" smtClean="0"/>
-              <a:t>10/1/19</a:t>
+              <a:t>10/2/2019</a:t>
             </a:fld>
             <a:endParaRPr lang="en-US"/>
           </a:p>
@@ -1341,7 +1341,7 @@
           <a:p>
             <a:fld id="{1B52E0E1-344B-4E26-B5AD-CE86AB802485}" type="datetimeFigureOut">
               <a:rPr lang="en-US" smtClean="0"/>
-              <a:t>10/1/19</a:t>
+              <a:t>10/2/2019</a:t>
             </a:fld>
             <a:endParaRPr lang="en-US"/>
           </a:p>
@@ -1549,7 +1549,7 @@
           <a:p>
             <a:fld id="{1B52E0E1-344B-4E26-B5AD-CE86AB802485}" type="datetimeFigureOut">
               <a:rPr lang="en-US" smtClean="0"/>
-              <a:t>10/1/19</a:t>
+              <a:t>10/2/2019</a:t>
             </a:fld>
             <a:endParaRPr lang="en-US"/>
           </a:p>
@@ -1747,7 +1747,7 @@
           <a:p>
             <a:fld id="{1B52E0E1-344B-4E26-B5AD-CE86AB802485}" type="datetimeFigureOut">
               <a:rPr lang="en-US" smtClean="0"/>
-              <a:t>10/1/19</a:t>
+              <a:t>10/2/2019</a:t>
             </a:fld>
             <a:endParaRPr lang="en-US"/>
           </a:p>
@@ -2022,7 +2022,7 @@
           <a:p>
             <a:fld id="{1B52E0E1-344B-4E26-B5AD-CE86AB802485}" type="datetimeFigureOut">
               <a:rPr lang="en-US" smtClean="0"/>
-              <a:t>10/1/19</a:t>
+              <a:t>10/2/2019</a:t>
             </a:fld>
             <a:endParaRPr lang="en-US"/>
           </a:p>
@@ -2287,7 +2287,7 @@
           <a:p>
             <a:fld id="{1B52E0E1-344B-4E26-B5AD-CE86AB802485}" type="datetimeFigureOut">
               <a:rPr lang="en-US" smtClean="0"/>
-              <a:t>10/1/19</a:t>
+              <a:t>10/2/2019</a:t>
             </a:fld>
             <a:endParaRPr lang="en-US"/>
           </a:p>
@@ -2699,7 +2699,7 @@
           <a:p>
             <a:fld id="{1B52E0E1-344B-4E26-B5AD-CE86AB802485}" type="datetimeFigureOut">
               <a:rPr lang="en-US" smtClean="0"/>
-              <a:t>10/1/19</a:t>
+              <a:t>10/2/2019</a:t>
             </a:fld>
             <a:endParaRPr lang="en-US"/>
           </a:p>
@@ -2840,7 +2840,7 @@
           <a:p>
             <a:fld id="{1B52E0E1-344B-4E26-B5AD-CE86AB802485}" type="datetimeFigureOut">
               <a:rPr lang="en-US" smtClean="0"/>
-              <a:t>10/1/19</a:t>
+              <a:t>10/2/2019</a:t>
             </a:fld>
             <a:endParaRPr lang="en-US"/>
           </a:p>
@@ -2953,7 +2953,7 @@
           <a:p>
             <a:fld id="{1B52E0E1-344B-4E26-B5AD-CE86AB802485}" type="datetimeFigureOut">
               <a:rPr lang="en-US" smtClean="0"/>
-              <a:t>10/1/19</a:t>
+              <a:t>10/2/2019</a:t>
             </a:fld>
             <a:endParaRPr lang="en-US"/>
           </a:p>
@@ -3264,7 +3264,7 @@
           <a:p>
             <a:fld id="{1B52E0E1-344B-4E26-B5AD-CE86AB802485}" type="datetimeFigureOut">
               <a:rPr lang="en-US" smtClean="0"/>
-              <a:t>10/1/19</a:t>
+              <a:t>10/2/2019</a:t>
             </a:fld>
             <a:endParaRPr lang="en-US"/>
           </a:p>
@@ -3552,7 +3552,7 @@
           <a:p>
             <a:fld id="{1B52E0E1-344B-4E26-B5AD-CE86AB802485}" type="datetimeFigureOut">
               <a:rPr lang="en-US" smtClean="0"/>
-              <a:t>10/1/19</a:t>
+              <a:t>10/2/2019</a:t>
             </a:fld>
             <a:endParaRPr lang="en-US"/>
           </a:p>
@@ -3793,7 +3793,7 @@
           <a:p>
             <a:fld id="{1B52E0E1-344B-4E26-B5AD-CE86AB802485}" type="datetimeFigureOut">
               <a:rPr lang="en-US" smtClean="0"/>
-              <a:t>10/1/19</a:t>
+              <a:t>10/2/2019</a:t>
             </a:fld>
             <a:endParaRPr lang="en-US"/>
           </a:p>
@@ -4908,7 +4908,7 @@
           <a:graphicData uri="http://schemas.openxmlformats.org/presentationml/2006/ole">
             <mc:AlternateContent xmlns:mc="http://schemas.openxmlformats.org/markup-compatibility/2006">
               <mc:Choice xmlns:v="urn:schemas-microsoft-com:vml" Requires="v">
-                <p:oleObj spid="_x0000_s1026" name="Worksheet" r:id="rId3" imgW="7289800" imgH="7023100" progId="Excel.Sheet.12">
+                <p:oleObj spid="_x0000_s1028" name="Worksheet" r:id="rId3" imgW="7289800" imgH="7023100" progId="Excel.Sheet.12">
                   <p:embed/>
                 </p:oleObj>
               </mc:Choice>
